--- a/Tutorial/PowerPoint Versions/HTTP and Servers.pptx
+++ b/Tutorial/PowerPoint Versions/HTTP and Servers.pptx
@@ -138,6 +138,20 @@
         </p14:section>
       </p14:sectionLst>
     </p:ext>
+    <p:ext uri="{EFAFB233-063F-42B5-8137-9DF3F51BA10A}">
+      <p15:sldGuideLst xmlns:p15="http://schemas.microsoft.com/office/powerpoint/2012/main">
+        <p15:guide id="1" orient="horz" pos="2160">
+          <p15:clr>
+            <a:srgbClr val="A4A3A4"/>
+          </p15:clr>
+        </p15:guide>
+        <p15:guide id="2" pos="2880">
+          <p15:clr>
+            <a:srgbClr val="A4A3A4"/>
+          </p15:clr>
+        </p15:guide>
+      </p15:sldGuideLst>
+    </p:ext>
   </p:extLst>
 </p:presentation>
 </file>
@@ -180,10 +194,9 @@
           <a:lstStyle/>
           <a:p>
             <a:r>
-              <a:rPr lang="en-US" smtClean="0"/>
+              <a:rPr lang="en-US"/>
               <a:t>Click to edit Master title style</a:t>
             </a:r>
-            <a:endParaRPr lang="en-US"/>
           </a:p>
         </p:txBody>
       </p:sp>
@@ -299,10 +312,9 @@
           </a:lstStyle>
           <a:p>
             <a:r>
-              <a:rPr lang="en-US" smtClean="0"/>
+              <a:rPr lang="en-US"/>
               <a:t>Click to edit Master subtitle style</a:t>
             </a:r>
-            <a:endParaRPr lang="en-US"/>
           </a:p>
         </p:txBody>
       </p:sp>
@@ -323,7 +335,7 @@
           <a:p>
             <a:fld id="{C8C6887F-BBCE-415C-926B-2BEF39A0EF7E}" type="datetimeFigureOut">
               <a:rPr lang="en-US" smtClean="0"/>
-              <a:t>9/17/2016</a:t>
+              <a:t>10/17/2016</a:t>
             </a:fld>
             <a:endParaRPr lang="en-US"/>
           </a:p>
@@ -417,10 +429,9 @@
           <a:lstStyle/>
           <a:p>
             <a:r>
-              <a:rPr lang="en-US" smtClean="0"/>
+              <a:rPr lang="en-US"/>
               <a:t>Click to edit Master title style</a:t>
             </a:r>
-            <a:endParaRPr lang="en-US"/>
           </a:p>
         </p:txBody>
       </p:sp>
@@ -441,38 +452,37 @@
           <a:p>
             <a:pPr lvl="0"/>
             <a:r>
-              <a:rPr lang="en-US" smtClean="0"/>
+              <a:rPr lang="en-US"/>
               <a:t>Click to edit Master text styles</a:t>
             </a:r>
           </a:p>
           <a:p>
             <a:pPr lvl="1"/>
             <a:r>
-              <a:rPr lang="en-US" smtClean="0"/>
+              <a:rPr lang="en-US"/>
               <a:t>Second level</a:t>
             </a:r>
           </a:p>
           <a:p>
             <a:pPr lvl="2"/>
             <a:r>
-              <a:rPr lang="en-US" smtClean="0"/>
+              <a:rPr lang="en-US"/>
               <a:t>Third level</a:t>
             </a:r>
           </a:p>
           <a:p>
             <a:pPr lvl="3"/>
             <a:r>
-              <a:rPr lang="en-US" smtClean="0"/>
+              <a:rPr lang="en-US"/>
               <a:t>Fourth level</a:t>
             </a:r>
           </a:p>
           <a:p>
             <a:pPr lvl="4"/>
             <a:r>
-              <a:rPr lang="en-US" smtClean="0"/>
+              <a:rPr lang="en-US"/>
               <a:t>Fifth level</a:t>
             </a:r>
-            <a:endParaRPr lang="en-US"/>
           </a:p>
         </p:txBody>
       </p:sp>
@@ -493,7 +503,7 @@
           <a:p>
             <a:fld id="{C8C6887F-BBCE-415C-926B-2BEF39A0EF7E}" type="datetimeFigureOut">
               <a:rPr lang="en-US" smtClean="0"/>
-              <a:t>9/17/2016</a:t>
+              <a:t>10/17/2016</a:t>
             </a:fld>
             <a:endParaRPr lang="en-US"/>
           </a:p>
@@ -592,10 +602,9 @@
           <a:lstStyle/>
           <a:p>
             <a:r>
-              <a:rPr lang="en-US" smtClean="0"/>
+              <a:rPr lang="en-US"/>
               <a:t>Click to edit Master title style</a:t>
             </a:r>
-            <a:endParaRPr lang="en-US"/>
           </a:p>
         </p:txBody>
       </p:sp>
@@ -621,38 +630,37 @@
           <a:p>
             <a:pPr lvl="0"/>
             <a:r>
-              <a:rPr lang="en-US" smtClean="0"/>
+              <a:rPr lang="en-US"/>
               <a:t>Click to edit Master text styles</a:t>
             </a:r>
           </a:p>
           <a:p>
             <a:pPr lvl="1"/>
             <a:r>
-              <a:rPr lang="en-US" smtClean="0"/>
+              <a:rPr lang="en-US"/>
               <a:t>Second level</a:t>
             </a:r>
           </a:p>
           <a:p>
             <a:pPr lvl="2"/>
             <a:r>
-              <a:rPr lang="en-US" smtClean="0"/>
+              <a:rPr lang="en-US"/>
               <a:t>Third level</a:t>
             </a:r>
           </a:p>
           <a:p>
             <a:pPr lvl="3"/>
             <a:r>
-              <a:rPr lang="en-US" smtClean="0"/>
+              <a:rPr lang="en-US"/>
               <a:t>Fourth level</a:t>
             </a:r>
           </a:p>
           <a:p>
             <a:pPr lvl="4"/>
             <a:r>
-              <a:rPr lang="en-US" smtClean="0"/>
+              <a:rPr lang="en-US"/>
               <a:t>Fifth level</a:t>
             </a:r>
-            <a:endParaRPr lang="en-US"/>
           </a:p>
         </p:txBody>
       </p:sp>
@@ -673,7 +681,7 @@
           <a:p>
             <a:fld id="{C8C6887F-BBCE-415C-926B-2BEF39A0EF7E}" type="datetimeFigureOut">
               <a:rPr lang="en-US" smtClean="0"/>
-              <a:t>9/17/2016</a:t>
+              <a:t>10/17/2016</a:t>
             </a:fld>
             <a:endParaRPr lang="en-US"/>
           </a:p>
@@ -767,10 +775,9 @@
           <a:lstStyle/>
           <a:p>
             <a:r>
-              <a:rPr lang="en-US" smtClean="0"/>
+              <a:rPr lang="en-US"/>
               <a:t>Click to edit Master title style</a:t>
             </a:r>
-            <a:endParaRPr lang="en-US"/>
           </a:p>
         </p:txBody>
       </p:sp>
@@ -791,38 +798,37 @@
           <a:p>
             <a:pPr lvl="0"/>
             <a:r>
-              <a:rPr lang="en-US" smtClean="0"/>
+              <a:rPr lang="en-US"/>
               <a:t>Click to edit Master text styles</a:t>
             </a:r>
           </a:p>
           <a:p>
             <a:pPr lvl="1"/>
             <a:r>
-              <a:rPr lang="en-US" smtClean="0"/>
+              <a:rPr lang="en-US"/>
               <a:t>Second level</a:t>
             </a:r>
           </a:p>
           <a:p>
             <a:pPr lvl="2"/>
             <a:r>
-              <a:rPr lang="en-US" smtClean="0"/>
+              <a:rPr lang="en-US"/>
               <a:t>Third level</a:t>
             </a:r>
           </a:p>
           <a:p>
             <a:pPr lvl="3"/>
             <a:r>
-              <a:rPr lang="en-US" smtClean="0"/>
+              <a:rPr lang="en-US"/>
               <a:t>Fourth level</a:t>
             </a:r>
           </a:p>
           <a:p>
             <a:pPr lvl="4"/>
             <a:r>
-              <a:rPr lang="en-US" smtClean="0"/>
+              <a:rPr lang="en-US"/>
               <a:t>Fifth level</a:t>
             </a:r>
-            <a:endParaRPr lang="en-US"/>
           </a:p>
         </p:txBody>
       </p:sp>
@@ -843,7 +849,7 @@
           <a:p>
             <a:fld id="{C8C6887F-BBCE-415C-926B-2BEF39A0EF7E}" type="datetimeFigureOut">
               <a:rPr lang="en-US" smtClean="0"/>
-              <a:t>9/17/2016</a:t>
+              <a:t>10/17/2016</a:t>
             </a:fld>
             <a:endParaRPr lang="en-US"/>
           </a:p>
@@ -946,10 +952,9 @@
           </a:lstStyle>
           <a:p>
             <a:r>
-              <a:rPr lang="en-US" smtClean="0"/>
+              <a:rPr lang="en-US"/>
               <a:t>Click to edit Master title style</a:t>
             </a:r>
-            <a:endParaRPr lang="en-US"/>
           </a:p>
         </p:txBody>
       </p:sp>
@@ -1066,7 +1071,7 @@
           <a:p>
             <a:pPr lvl="0"/>
             <a:r>
-              <a:rPr lang="en-US" smtClean="0"/>
+              <a:rPr lang="en-US"/>
               <a:t>Click to edit Master text styles</a:t>
             </a:r>
           </a:p>
@@ -1089,7 +1094,7 @@
           <a:p>
             <a:fld id="{C8C6887F-BBCE-415C-926B-2BEF39A0EF7E}" type="datetimeFigureOut">
               <a:rPr lang="en-US" smtClean="0"/>
-              <a:t>9/17/2016</a:t>
+              <a:t>10/17/2016</a:t>
             </a:fld>
             <a:endParaRPr lang="en-US"/>
           </a:p>
@@ -1183,10 +1188,9 @@
           <a:lstStyle/>
           <a:p>
             <a:r>
-              <a:rPr lang="en-US" smtClean="0"/>
+              <a:rPr lang="en-US"/>
               <a:t>Click to edit Master title style</a:t>
             </a:r>
-            <a:endParaRPr lang="en-US"/>
           </a:p>
         </p:txBody>
       </p:sp>
@@ -1240,38 +1244,37 @@
           <a:p>
             <a:pPr lvl="0"/>
             <a:r>
-              <a:rPr lang="en-US" smtClean="0"/>
+              <a:rPr lang="en-US"/>
               <a:t>Click to edit Master text styles</a:t>
             </a:r>
           </a:p>
           <a:p>
             <a:pPr lvl="1"/>
             <a:r>
-              <a:rPr lang="en-US" smtClean="0"/>
+              <a:rPr lang="en-US"/>
               <a:t>Second level</a:t>
             </a:r>
           </a:p>
           <a:p>
             <a:pPr lvl="2"/>
             <a:r>
-              <a:rPr lang="en-US" smtClean="0"/>
+              <a:rPr lang="en-US"/>
               <a:t>Third level</a:t>
             </a:r>
           </a:p>
           <a:p>
             <a:pPr lvl="3"/>
             <a:r>
-              <a:rPr lang="en-US" smtClean="0"/>
+              <a:rPr lang="en-US"/>
               <a:t>Fourth level</a:t>
             </a:r>
           </a:p>
           <a:p>
             <a:pPr lvl="4"/>
             <a:r>
-              <a:rPr lang="en-US" smtClean="0"/>
+              <a:rPr lang="en-US"/>
               <a:t>Fifth level</a:t>
             </a:r>
-            <a:endParaRPr lang="en-US"/>
           </a:p>
         </p:txBody>
       </p:sp>
@@ -1325,38 +1328,37 @@
           <a:p>
             <a:pPr lvl="0"/>
             <a:r>
-              <a:rPr lang="en-US" smtClean="0"/>
+              <a:rPr lang="en-US"/>
               <a:t>Click to edit Master text styles</a:t>
             </a:r>
           </a:p>
           <a:p>
             <a:pPr lvl="1"/>
             <a:r>
-              <a:rPr lang="en-US" smtClean="0"/>
+              <a:rPr lang="en-US"/>
               <a:t>Second level</a:t>
             </a:r>
           </a:p>
           <a:p>
             <a:pPr lvl="2"/>
             <a:r>
-              <a:rPr lang="en-US" smtClean="0"/>
+              <a:rPr lang="en-US"/>
               <a:t>Third level</a:t>
             </a:r>
           </a:p>
           <a:p>
             <a:pPr lvl="3"/>
             <a:r>
-              <a:rPr lang="en-US" smtClean="0"/>
+              <a:rPr lang="en-US"/>
               <a:t>Fourth level</a:t>
             </a:r>
           </a:p>
           <a:p>
             <a:pPr lvl="4"/>
             <a:r>
-              <a:rPr lang="en-US" smtClean="0"/>
+              <a:rPr lang="en-US"/>
               <a:t>Fifth level</a:t>
             </a:r>
-            <a:endParaRPr lang="en-US"/>
           </a:p>
         </p:txBody>
       </p:sp>
@@ -1377,7 +1379,7 @@
           <a:p>
             <a:fld id="{C8C6887F-BBCE-415C-926B-2BEF39A0EF7E}" type="datetimeFigureOut">
               <a:rPr lang="en-US" smtClean="0"/>
-              <a:t>9/17/2016</a:t>
+              <a:t>10/17/2016</a:t>
             </a:fld>
             <a:endParaRPr lang="en-US"/>
           </a:p>
@@ -1475,10 +1477,9 @@
           </a:lstStyle>
           <a:p>
             <a:r>
-              <a:rPr lang="en-US" smtClean="0"/>
+              <a:rPr lang="en-US"/>
               <a:t>Click to edit Master title style</a:t>
             </a:r>
-            <a:endParaRPr lang="en-US"/>
           </a:p>
         </p:txBody>
       </p:sp>
@@ -1541,7 +1542,7 @@
           <a:p>
             <a:pPr lvl="0"/>
             <a:r>
-              <a:rPr lang="en-US" smtClean="0"/>
+              <a:rPr lang="en-US"/>
               <a:t>Click to edit Master text styles</a:t>
             </a:r>
           </a:p>
@@ -1597,38 +1598,37 @@
           <a:p>
             <a:pPr lvl="0"/>
             <a:r>
-              <a:rPr lang="en-US" smtClean="0"/>
+              <a:rPr lang="en-US"/>
               <a:t>Click to edit Master text styles</a:t>
             </a:r>
           </a:p>
           <a:p>
             <a:pPr lvl="1"/>
             <a:r>
-              <a:rPr lang="en-US" smtClean="0"/>
+              <a:rPr lang="en-US"/>
               <a:t>Second level</a:t>
             </a:r>
           </a:p>
           <a:p>
             <a:pPr lvl="2"/>
             <a:r>
-              <a:rPr lang="en-US" smtClean="0"/>
+              <a:rPr lang="en-US"/>
               <a:t>Third level</a:t>
             </a:r>
           </a:p>
           <a:p>
             <a:pPr lvl="3"/>
             <a:r>
-              <a:rPr lang="en-US" smtClean="0"/>
+              <a:rPr lang="en-US"/>
               <a:t>Fourth level</a:t>
             </a:r>
           </a:p>
           <a:p>
             <a:pPr lvl="4"/>
             <a:r>
-              <a:rPr lang="en-US" smtClean="0"/>
+              <a:rPr lang="en-US"/>
               <a:t>Fifth level</a:t>
             </a:r>
-            <a:endParaRPr lang="en-US"/>
           </a:p>
         </p:txBody>
       </p:sp>
@@ -1691,7 +1691,7 @@
           <a:p>
             <a:pPr lvl="0"/>
             <a:r>
-              <a:rPr lang="en-US" smtClean="0"/>
+              <a:rPr lang="en-US"/>
               <a:t>Click to edit Master text styles</a:t>
             </a:r>
           </a:p>
@@ -1747,38 +1747,37 @@
           <a:p>
             <a:pPr lvl="0"/>
             <a:r>
-              <a:rPr lang="en-US" smtClean="0"/>
+              <a:rPr lang="en-US"/>
               <a:t>Click to edit Master text styles</a:t>
             </a:r>
           </a:p>
           <a:p>
             <a:pPr lvl="1"/>
             <a:r>
-              <a:rPr lang="en-US" smtClean="0"/>
+              <a:rPr lang="en-US"/>
               <a:t>Second level</a:t>
             </a:r>
           </a:p>
           <a:p>
             <a:pPr lvl="2"/>
             <a:r>
-              <a:rPr lang="en-US" smtClean="0"/>
+              <a:rPr lang="en-US"/>
               <a:t>Third level</a:t>
             </a:r>
           </a:p>
           <a:p>
             <a:pPr lvl="3"/>
             <a:r>
-              <a:rPr lang="en-US" smtClean="0"/>
+              <a:rPr lang="en-US"/>
               <a:t>Fourth level</a:t>
             </a:r>
           </a:p>
           <a:p>
             <a:pPr lvl="4"/>
             <a:r>
-              <a:rPr lang="en-US" smtClean="0"/>
+              <a:rPr lang="en-US"/>
               <a:t>Fifth level</a:t>
             </a:r>
-            <a:endParaRPr lang="en-US"/>
           </a:p>
         </p:txBody>
       </p:sp>
@@ -1799,7 +1798,7 @@
           <a:p>
             <a:fld id="{C8C6887F-BBCE-415C-926B-2BEF39A0EF7E}" type="datetimeFigureOut">
               <a:rPr lang="en-US" smtClean="0"/>
-              <a:t>9/17/2016</a:t>
+              <a:t>10/17/2016</a:t>
             </a:fld>
             <a:endParaRPr lang="en-US"/>
           </a:p>
@@ -1893,10 +1892,9 @@
           <a:lstStyle/>
           <a:p>
             <a:r>
-              <a:rPr lang="en-US" smtClean="0"/>
+              <a:rPr lang="en-US"/>
               <a:t>Click to edit Master title style</a:t>
             </a:r>
-            <a:endParaRPr lang="en-US"/>
           </a:p>
         </p:txBody>
       </p:sp>
@@ -1917,7 +1915,7 @@
           <a:p>
             <a:fld id="{C8C6887F-BBCE-415C-926B-2BEF39A0EF7E}" type="datetimeFigureOut">
               <a:rPr lang="en-US" smtClean="0"/>
-              <a:t>9/17/2016</a:t>
+              <a:t>10/17/2016</a:t>
             </a:fld>
             <a:endParaRPr lang="en-US"/>
           </a:p>
@@ -2012,7 +2010,7 @@
           <a:p>
             <a:fld id="{C8C6887F-BBCE-415C-926B-2BEF39A0EF7E}" type="datetimeFigureOut">
               <a:rPr lang="en-US" smtClean="0"/>
-              <a:t>9/17/2016</a:t>
+              <a:t>10/17/2016</a:t>
             </a:fld>
             <a:endParaRPr lang="en-US"/>
           </a:p>
@@ -2115,10 +2113,9 @@
           </a:lstStyle>
           <a:p>
             <a:r>
-              <a:rPr lang="en-US" smtClean="0"/>
+              <a:rPr lang="en-US"/>
               <a:t>Click to edit Master title style</a:t>
             </a:r>
-            <a:endParaRPr lang="en-US"/>
           </a:p>
         </p:txBody>
       </p:sp>
@@ -2172,38 +2169,37 @@
           <a:p>
             <a:pPr lvl="0"/>
             <a:r>
-              <a:rPr lang="en-US" smtClean="0"/>
+              <a:rPr lang="en-US"/>
               <a:t>Click to edit Master text styles</a:t>
             </a:r>
           </a:p>
           <a:p>
             <a:pPr lvl="1"/>
             <a:r>
-              <a:rPr lang="en-US" smtClean="0"/>
+              <a:rPr lang="en-US"/>
               <a:t>Second level</a:t>
             </a:r>
           </a:p>
           <a:p>
             <a:pPr lvl="2"/>
             <a:r>
-              <a:rPr lang="en-US" smtClean="0"/>
+              <a:rPr lang="en-US"/>
               <a:t>Third level</a:t>
             </a:r>
           </a:p>
           <a:p>
             <a:pPr lvl="3"/>
             <a:r>
-              <a:rPr lang="en-US" smtClean="0"/>
+              <a:rPr lang="en-US"/>
               <a:t>Fourth level</a:t>
             </a:r>
           </a:p>
           <a:p>
             <a:pPr lvl="4"/>
             <a:r>
-              <a:rPr lang="en-US" smtClean="0"/>
+              <a:rPr lang="en-US"/>
               <a:t>Fifth level</a:t>
             </a:r>
-            <a:endParaRPr lang="en-US"/>
           </a:p>
         </p:txBody>
       </p:sp>
@@ -2266,7 +2262,7 @@
           <a:p>
             <a:pPr lvl="0"/>
             <a:r>
-              <a:rPr lang="en-US" smtClean="0"/>
+              <a:rPr lang="en-US"/>
               <a:t>Click to edit Master text styles</a:t>
             </a:r>
           </a:p>
@@ -2289,7 +2285,7 @@
           <a:p>
             <a:fld id="{C8C6887F-BBCE-415C-926B-2BEF39A0EF7E}" type="datetimeFigureOut">
               <a:rPr lang="en-US" smtClean="0"/>
-              <a:t>9/17/2016</a:t>
+              <a:t>10/17/2016</a:t>
             </a:fld>
             <a:endParaRPr lang="en-US"/>
           </a:p>
@@ -2392,10 +2388,9 @@
           </a:lstStyle>
           <a:p>
             <a:r>
-              <a:rPr lang="en-US" smtClean="0"/>
+              <a:rPr lang="en-US"/>
               <a:t>Click to edit Master title style</a:t>
             </a:r>
-            <a:endParaRPr lang="en-US"/>
           </a:p>
         </p:txBody>
       </p:sp>
@@ -2519,7 +2514,7 @@
           <a:p>
             <a:pPr lvl="0"/>
             <a:r>
-              <a:rPr lang="en-US" smtClean="0"/>
+              <a:rPr lang="en-US"/>
               <a:t>Click to edit Master text styles</a:t>
             </a:r>
           </a:p>
@@ -2542,7 +2537,7 @@
           <a:p>
             <a:fld id="{C8C6887F-BBCE-415C-926B-2BEF39A0EF7E}" type="datetimeFigureOut">
               <a:rPr lang="en-US" smtClean="0"/>
-              <a:t>9/17/2016</a:t>
+              <a:t>10/17/2016</a:t>
             </a:fld>
             <a:endParaRPr lang="en-US"/>
           </a:p>
@@ -2651,10 +2646,9 @@
           <a:lstStyle/>
           <a:p>
             <a:r>
-              <a:rPr lang="en-US" smtClean="0"/>
+              <a:rPr lang="en-US"/>
               <a:t>Click to edit Master title style</a:t>
             </a:r>
-            <a:endParaRPr lang="en-US"/>
           </a:p>
         </p:txBody>
       </p:sp>
@@ -2685,38 +2679,37 @@
           <a:p>
             <a:pPr lvl="0"/>
             <a:r>
-              <a:rPr lang="en-US" smtClean="0"/>
+              <a:rPr lang="en-US"/>
               <a:t>Click to edit Master text styles</a:t>
             </a:r>
           </a:p>
           <a:p>
             <a:pPr lvl="1"/>
             <a:r>
-              <a:rPr lang="en-US" smtClean="0"/>
+              <a:rPr lang="en-US"/>
               <a:t>Second level</a:t>
             </a:r>
           </a:p>
           <a:p>
             <a:pPr lvl="2"/>
             <a:r>
-              <a:rPr lang="en-US" smtClean="0"/>
+              <a:rPr lang="en-US"/>
               <a:t>Third level</a:t>
             </a:r>
           </a:p>
           <a:p>
             <a:pPr lvl="3"/>
             <a:r>
-              <a:rPr lang="en-US" smtClean="0"/>
+              <a:rPr lang="en-US"/>
               <a:t>Fourth level</a:t>
             </a:r>
           </a:p>
           <a:p>
             <a:pPr lvl="4"/>
             <a:r>
-              <a:rPr lang="en-US" smtClean="0"/>
+              <a:rPr lang="en-US"/>
               <a:t>Fifth level</a:t>
             </a:r>
-            <a:endParaRPr lang="en-US"/>
           </a:p>
         </p:txBody>
       </p:sp>
@@ -2755,7 +2748,7 @@
           <a:p>
             <a:fld id="{C8C6887F-BBCE-415C-926B-2BEF39A0EF7E}" type="datetimeFigureOut">
               <a:rPr lang="en-US" smtClean="0"/>
-              <a:t>9/17/2016</a:t>
+              <a:t>10/17/2016</a:t>
             </a:fld>
             <a:endParaRPr lang="en-US"/>
           </a:p>
@@ -3146,10 +3139,9 @@
           <a:lstStyle/>
           <a:p>
             <a:r>
-              <a:rPr lang="en-US" dirty="0" smtClean="0"/>
+              <a:rPr lang="en-US" dirty="0"/>
               <a:t>HTTP and Servers</a:t>
             </a:r>
-            <a:endParaRPr lang="en-US" dirty="0"/>
           </a:p>
         </p:txBody>
       </p:sp>
@@ -3169,10 +3161,9 @@
           <a:lstStyle/>
           <a:p>
             <a:r>
-              <a:rPr lang="en-US" dirty="0" smtClean="0"/>
+              <a:rPr lang="en-US" dirty="0"/>
               <a:t>101 on how the internet works</a:t>
             </a:r>
-            <a:endParaRPr lang="en-US" dirty="0"/>
           </a:p>
         </p:txBody>
       </p:sp>
@@ -3222,10 +3213,9 @@
           <a:lstStyle/>
           <a:p>
             <a:r>
-              <a:rPr lang="en-US" dirty="0" smtClean="0"/>
+              <a:rPr lang="en-US" dirty="0"/>
               <a:t>JSON? Ok quick 2 minute detour</a:t>
             </a:r>
-            <a:endParaRPr lang="en-US" dirty="0"/>
           </a:p>
         </p:txBody>
       </p:sp>
@@ -3247,36 +3237,36 @@
           <a:lstStyle/>
           <a:p>
             <a:r>
-              <a:rPr lang="en-US" dirty="0" smtClean="0"/>
+              <a:rPr lang="en-US" dirty="0"/>
               <a:t>JavaScript Object Notation</a:t>
             </a:r>
           </a:p>
           <a:p>
             <a:pPr lvl="1"/>
             <a:r>
-              <a:rPr lang="en-US" dirty="0" smtClean="0"/>
+              <a:rPr lang="en-US" dirty="0"/>
               <a:t>Way of holding data in a “Key-Value” fashion</a:t>
             </a:r>
           </a:p>
           <a:p>
             <a:pPr lvl="1"/>
             <a:r>
-              <a:rPr lang="en-US" dirty="0" smtClean="0"/>
+              <a:rPr lang="en-US" dirty="0"/>
               <a:t>Similar to </a:t>
             </a:r>
             <a:r>
-              <a:rPr lang="en-US" dirty="0" err="1" smtClean="0"/>
+              <a:rPr lang="en-US" dirty="0" err="1"/>
               <a:t>Structs</a:t>
             </a:r>
             <a:r>
-              <a:rPr lang="en-US" dirty="0" smtClean="0"/>
+              <a:rPr lang="en-US" dirty="0"/>
               <a:t> in C/C++</a:t>
             </a:r>
           </a:p>
           <a:p>
             <a:pPr lvl="1"/>
             <a:r>
-              <a:rPr lang="en-US" dirty="0" err="1" smtClean="0">
+              <a:rPr lang="en-US" dirty="0" err="1">
                 <a:solidFill>
                   <a:srgbClr val="FF0000"/>
                 </a:solidFill>
@@ -3284,7 +3274,7 @@
               <a:t>Var</a:t>
             </a:r>
             <a:r>
-              <a:rPr lang="en-US" dirty="0" smtClean="0">
+              <a:rPr lang="en-US" dirty="0">
                 <a:solidFill>
                   <a:srgbClr val="FF0000"/>
                 </a:solidFill>
@@ -3292,14 +3282,14 @@
               <a:t> example = { “Name” : “Spencer”,</a:t>
             </a:r>
             <a:br>
-              <a:rPr lang="en-US" dirty="0" smtClean="0">
+              <a:rPr lang="en-US" dirty="0">
                 <a:solidFill>
                   <a:srgbClr val="FF0000"/>
                 </a:solidFill>
               </a:rPr>
             </a:br>
             <a:r>
-              <a:rPr lang="en-US" dirty="0" smtClean="0">
+              <a:rPr lang="en-US" dirty="0">
                 <a:solidFill>
                   <a:srgbClr val="FF0000"/>
                 </a:solidFill>
@@ -3307,14 +3297,14 @@
               <a:t>   		 “Age”    :       21,</a:t>
             </a:r>
             <a:br>
-              <a:rPr lang="en-US" dirty="0" smtClean="0">
+              <a:rPr lang="en-US" dirty="0">
                 <a:solidFill>
                   <a:srgbClr val="FF0000"/>
                 </a:solidFill>
               </a:rPr>
             </a:br>
             <a:r>
-              <a:rPr lang="en-US" dirty="0" smtClean="0">
+              <a:rPr lang="en-US" dirty="0">
                 <a:solidFill>
                   <a:srgbClr val="FF0000"/>
                 </a:solidFill>
@@ -3322,7 +3312,7 @@
               <a:t>			“</a:t>
             </a:r>
             <a:r>
-              <a:rPr lang="en-US" dirty="0" err="1" smtClean="0">
+              <a:rPr lang="en-US" dirty="0" err="1">
                 <a:solidFill>
                   <a:srgbClr val="FF0000"/>
                 </a:solidFill>
@@ -3330,7 +3320,7 @@
               <a:t>isFunny</a:t>
             </a:r>
             <a:r>
-              <a:rPr lang="en-US" dirty="0" smtClean="0">
+              <a:rPr lang="en-US" dirty="0">
                 <a:solidFill>
                   <a:srgbClr val="FF0000"/>
                 </a:solidFill>
@@ -3341,7 +3331,7 @@
           <a:p>
             <a:pPr lvl="1"/>
             <a:r>
-              <a:rPr lang="en-US" dirty="0" err="1" smtClean="0">
+              <a:rPr lang="en-US" dirty="0" err="1">
                 <a:solidFill>
                   <a:srgbClr val="0070C0"/>
                 </a:solidFill>
@@ -3349,7 +3339,7 @@
               <a:t>example.Name</a:t>
             </a:r>
             <a:r>
-              <a:rPr lang="en-US" dirty="0" smtClean="0">
+              <a:rPr lang="en-US" dirty="0">
                 <a:solidFill>
                   <a:srgbClr val="0070C0"/>
                 </a:solidFill>
@@ -3360,7 +3350,7 @@
           <a:p>
             <a:pPr lvl="1"/>
             <a:r>
-              <a:rPr lang="en-US" dirty="0" err="1" smtClean="0">
+              <a:rPr lang="en-US" dirty="0" err="1">
                 <a:solidFill>
                   <a:srgbClr val="0070C0"/>
                 </a:solidFill>
@@ -3368,7 +3358,7 @@
               <a:t>example.Age</a:t>
             </a:r>
             <a:r>
-              <a:rPr lang="en-US" dirty="0" smtClean="0">
+              <a:rPr lang="en-US" dirty="0">
                 <a:solidFill>
                   <a:srgbClr val="0070C0"/>
                 </a:solidFill>
@@ -3379,7 +3369,7 @@
           <a:p>
             <a:pPr lvl="1"/>
             <a:r>
-              <a:rPr lang="en-US" dirty="0" err="1" smtClean="0">
+              <a:rPr lang="en-US" dirty="0" err="1">
                 <a:solidFill>
                   <a:srgbClr val="0070C0"/>
                 </a:solidFill>
@@ -3387,7 +3377,7 @@
               <a:t>example.isFunny</a:t>
             </a:r>
             <a:r>
-              <a:rPr lang="en-US" dirty="0" smtClean="0">
+              <a:rPr lang="en-US" dirty="0">
                 <a:solidFill>
                   <a:srgbClr val="0070C0"/>
                 </a:solidFill>
@@ -3398,34 +3388,34 @@
           <a:p>
             <a:pPr lvl="1"/>
             <a:r>
-              <a:rPr lang="en-US" dirty="0" smtClean="0"/>
+              <a:rPr lang="en-US" dirty="0"/>
               <a:t>“Name”, “Age”, “</a:t>
             </a:r>
             <a:r>
-              <a:rPr lang="en-US" dirty="0" err="1" smtClean="0"/>
+              <a:rPr lang="en-US" dirty="0" err="1"/>
               <a:t>isFunny</a:t>
             </a:r>
             <a:r>
-              <a:rPr lang="en-US" dirty="0" smtClean="0"/>
+              <a:rPr lang="en-US" dirty="0"/>
               <a:t>” are the </a:t>
             </a:r>
             <a:r>
-              <a:rPr lang="en-US" b="1" dirty="0" smtClean="0"/>
+              <a:rPr lang="en-US" b="1" dirty="0"/>
               <a:t>Keys</a:t>
             </a:r>
           </a:p>
           <a:p>
             <a:pPr lvl="1"/>
             <a:r>
-              <a:rPr lang="en-US" dirty="0" smtClean="0"/>
+              <a:rPr lang="en-US" dirty="0"/>
               <a:t>“Spencer”, 21, false are the </a:t>
             </a:r>
             <a:r>
-              <a:rPr lang="en-US" b="1" dirty="0" smtClean="0"/>
+              <a:rPr lang="en-US" b="1" dirty="0"/>
               <a:t>Value</a:t>
             </a:r>
             <a:r>
-              <a:rPr lang="en-US" dirty="0" smtClean="0"/>
+              <a:rPr lang="en-US" dirty="0"/>
               <a:t> and can be any type</a:t>
             </a:r>
           </a:p>
@@ -3483,10 +3473,9 @@
           <a:lstStyle/>
           <a:p>
             <a:r>
-              <a:rPr lang="en-US" dirty="0" smtClean="0"/>
+              <a:rPr lang="en-US" dirty="0"/>
               <a:t>The Response</a:t>
             </a:r>
-            <a:endParaRPr lang="en-US" dirty="0"/>
           </a:p>
         </p:txBody>
       </p:sp>
@@ -3513,17 +3502,16 @@
           <a:lstStyle/>
           <a:p>
             <a:r>
-              <a:rPr lang="en-US" sz="2800" dirty="0" smtClean="0"/>
+              <a:rPr lang="en-US" sz="2800" dirty="0"/>
               <a:t>The server will decide what it will do and send back a response</a:t>
             </a:r>
           </a:p>
           <a:p>
             <a:pPr lvl="1"/>
             <a:r>
-              <a:rPr lang="en-US" sz="2400" dirty="0" smtClean="0"/>
+              <a:rPr lang="en-US" sz="2400" dirty="0"/>
               <a:t>If it doesn’t the client will be in a infinite loop waiting</a:t>
             </a:r>
-            <a:endParaRPr lang="en-US" sz="2400" dirty="0"/>
           </a:p>
         </p:txBody>
       </p:sp>
@@ -3637,10 +3625,9 @@
           <a:lstStyle/>
           <a:p>
             <a:r>
-              <a:rPr lang="en-US" dirty="0" smtClean="0"/>
+              <a:rPr lang="en-US" dirty="0"/>
               <a:t>The Response – Status Code</a:t>
             </a:r>
-            <a:endParaRPr lang="en-US" dirty="0"/>
           </a:p>
         </p:txBody>
       </p:sp>
@@ -3662,67 +3649,67 @@
           <a:lstStyle/>
           <a:p>
             <a:r>
-              <a:rPr lang="en-US" sz="2400" dirty="0" smtClean="0"/>
+              <a:rPr lang="en-US" sz="2400" dirty="0"/>
               <a:t>Status Codes are one of those things where you writing your server can send back any number. There a </a:t>
             </a:r>
             <a:r>
-              <a:rPr lang="en-US" sz="2400" b="1" dirty="0" smtClean="0"/>
+              <a:rPr lang="en-US" sz="2400" b="1" dirty="0"/>
               <a:t>very standard </a:t>
             </a:r>
             <a:r>
-              <a:rPr lang="en-US" sz="2400" dirty="0" smtClean="0"/>
+              <a:rPr lang="en-US" sz="2400" dirty="0"/>
               <a:t>number system… so don’t go crazy</a:t>
             </a:r>
           </a:p>
           <a:p>
             <a:r>
-              <a:rPr lang="en-US" dirty="0" smtClean="0"/>
+              <a:rPr lang="en-US" dirty="0"/>
               <a:t>Status codes to know:</a:t>
             </a:r>
           </a:p>
           <a:p>
             <a:pPr lvl="1"/>
             <a:r>
-              <a:rPr lang="en-US" b="1" dirty="0" smtClean="0"/>
+              <a:rPr lang="en-US" b="1" dirty="0"/>
               <a:t>200 OK </a:t>
             </a:r>
             <a:r>
-              <a:rPr lang="en-US" dirty="0" smtClean="0"/>
+              <a:rPr lang="en-US" dirty="0"/>
               <a:t>- “I got your request and did something” but doesn’t mean it “Correctly” did it</a:t>
             </a:r>
           </a:p>
           <a:p>
             <a:pPr lvl="1"/>
             <a:r>
-              <a:rPr lang="en-US" b="1" dirty="0" smtClean="0"/>
+              <a:rPr lang="en-US" b="1" dirty="0"/>
               <a:t>400 Bad Request </a:t>
             </a:r>
             <a:r>
-              <a:rPr lang="en-US" dirty="0" smtClean="0"/>
+              <a:rPr lang="en-US" dirty="0"/>
               <a:t>– The Client screwed up what it sent</a:t>
             </a:r>
-            <a:endParaRPr lang="en-US" b="1" dirty="0" smtClean="0"/>
+            <a:endParaRPr lang="en-US" b="1" dirty="0"/>
           </a:p>
           <a:p>
             <a:pPr lvl="1"/>
             <a:r>
-              <a:rPr lang="en-US" b="1" dirty="0" smtClean="0"/>
+              <a:rPr lang="en-US" b="1" dirty="0"/>
               <a:t>404 Not Found </a:t>
             </a:r>
             <a:r>
-              <a:rPr lang="en-US" dirty="0" smtClean="0"/>
+              <a:rPr lang="en-US" dirty="0"/>
               <a:t>- it couldn’t find the path you sent it</a:t>
             </a:r>
           </a:p>
           <a:p>
             <a:pPr lvl="1"/>
             <a:r>
-              <a:rPr lang="en-US" b="1" dirty="0" smtClean="0"/>
+              <a:rPr lang="en-US" b="1" dirty="0"/>
               <a:t>500 Internal Server Error </a:t>
             </a:r>
             <a:r>
-              <a:rPr lang="en-US" dirty="0" smtClean="0"/>
-              <a:t>– The Server screwed up what is trying to do</a:t>
+              <a:rPr lang="en-US" dirty="0"/>
+              <a:t>– The Server screwed up what it was trying to do</a:t>
             </a:r>
             <a:endParaRPr lang="en-US" b="1" dirty="0"/>
           </a:p>
@@ -3776,10 +3763,9 @@
           <a:lstStyle/>
           <a:p>
             <a:r>
-              <a:rPr lang="en-US" dirty="0" smtClean="0"/>
+              <a:rPr lang="en-US" dirty="0"/>
               <a:t>The Response – Looks like the Request</a:t>
             </a:r>
-            <a:endParaRPr lang="en-US" dirty="0"/>
           </a:p>
         </p:txBody>
       </p:sp>
@@ -3804,16 +3790,15 @@
           <a:lstStyle/>
           <a:p>
             <a:r>
-              <a:rPr lang="en-US" dirty="0" smtClean="0"/>
+              <a:rPr lang="en-US" dirty="0"/>
               <a:t>Same format as the Request</a:t>
             </a:r>
           </a:p>
           <a:p>
             <a:r>
-              <a:rPr lang="en-US" dirty="0" smtClean="0"/>
+              <a:rPr lang="en-US" dirty="0"/>
               <a:t>Can you smell the string parsing yet?</a:t>
             </a:r>
-            <a:endParaRPr lang="en-US" dirty="0"/>
           </a:p>
         </p:txBody>
       </p:sp>
@@ -3927,10 +3912,9 @@
           <a:lstStyle/>
           <a:p>
             <a:r>
-              <a:rPr lang="en-US" dirty="0" smtClean="0"/>
+              <a:rPr lang="en-US" dirty="0"/>
               <a:t>What is a Server?</a:t>
             </a:r>
-            <a:endParaRPr lang="en-US" dirty="0"/>
           </a:p>
         </p:txBody>
       </p:sp>
@@ -4672,22 +4656,21 @@
           </a:lstStyle>
           <a:p>
             <a:r>
-              <a:rPr lang="en-US" dirty="0" smtClean="0"/>
+              <a:rPr lang="en-US" dirty="0"/>
               <a:t>Any “Computer” with a way to store data, run processes, and can connect to other computers can be a Server</a:t>
             </a:r>
           </a:p>
           <a:p>
             <a:r>
-              <a:rPr lang="en-US" dirty="0" smtClean="0"/>
+              <a:rPr lang="en-US" dirty="0"/>
               <a:t>Raspberry Pi is a “Full Computer”</a:t>
             </a:r>
           </a:p>
           <a:p>
             <a:r>
-              <a:rPr lang="en-US" dirty="0" smtClean="0"/>
+              <a:rPr lang="en-US" dirty="0"/>
               <a:t>Difference between a Raspberry Pi and my Laptop is the performance it can handle</a:t>
             </a:r>
-            <a:endParaRPr lang="en-US" dirty="0"/>
           </a:p>
         </p:txBody>
       </p:sp>
@@ -4803,10 +4786,9 @@
           <a:lstStyle/>
           <a:p>
             <a:r>
-              <a:rPr lang="en-US" dirty="0" smtClean="0"/>
+              <a:rPr lang="en-US" dirty="0"/>
               <a:t>How do I run a server</a:t>
             </a:r>
-            <a:endParaRPr lang="en-US" dirty="0"/>
           </a:p>
         </p:txBody>
       </p:sp>
@@ -4828,13 +4810,13 @@
           <a:lstStyle/>
           <a:p>
             <a:r>
-              <a:rPr lang="en-US" dirty="0" smtClean="0"/>
+              <a:rPr lang="en-US" dirty="0"/>
               <a:t>You should use a Server Framework that handle request at a high level.</a:t>
             </a:r>
           </a:p>
           <a:p>
             <a:r>
-              <a:rPr lang="en-US" dirty="0" smtClean="0"/>
+              <a:rPr lang="en-US" dirty="0"/>
               <a:t>People have spent years working on them, they are good, so use them.</a:t>
             </a:r>
           </a:p>
@@ -4843,18 +4825,18 @@
           </a:p>
           <a:p>
             <a:r>
-              <a:rPr lang="en-US" dirty="0" smtClean="0"/>
+              <a:rPr lang="en-US" dirty="0"/>
               <a:t>…But today you will learn how to create your own server on a single socket that parses the text of the string.</a:t>
             </a:r>
           </a:p>
           <a:p>
             <a:r>
-              <a:rPr lang="en-US" dirty="0" smtClean="0"/>
+              <a:rPr lang="en-US" dirty="0"/>
               <a:t>Hey, someone needs to understand how it works</a:t>
             </a:r>
           </a:p>
           <a:p>
-            <a:endParaRPr lang="en-US" dirty="0" smtClean="0"/>
+            <a:endParaRPr lang="en-US" dirty="0"/>
           </a:p>
           <a:p>
             <a:endParaRPr lang="en-US" dirty="0"/>
@@ -4907,10 +4889,9 @@
           <a:lstStyle/>
           <a:p>
             <a:r>
-              <a:rPr lang="en-US" dirty="0" smtClean="0"/>
+              <a:rPr lang="en-US" dirty="0"/>
               <a:t>How do I talk to the server</a:t>
             </a:r>
-            <a:endParaRPr lang="en-US" dirty="0"/>
           </a:p>
         </p:txBody>
       </p:sp>
@@ -4932,53 +4913,44 @@
           <a:lstStyle/>
           <a:p>
             <a:r>
-              <a:rPr lang="en-US" dirty="0" smtClean="0"/>
+              <a:rPr lang="en-US" dirty="0"/>
               <a:t>You can send anything you want at a server if you have the IP address, but there are standard </a:t>
             </a:r>
             <a:r>
-              <a:rPr lang="en-US" b="1" dirty="0" smtClean="0"/>
+              <a:rPr lang="en-US" b="1" dirty="0"/>
               <a:t>Protocols</a:t>
             </a:r>
             <a:r>
-              <a:rPr lang="en-US" dirty="0" smtClean="0"/>
+              <a:rPr lang="en-US" dirty="0"/>
               <a:t> that are agreed on otherwise I wouldn’t know what format the information you are sending is sent in</a:t>
             </a:r>
           </a:p>
           <a:p>
             <a:r>
-              <a:rPr lang="en-US" dirty="0" smtClean="0"/>
+              <a:rPr lang="en-US" dirty="0"/>
               <a:t>HTTP</a:t>
             </a:r>
           </a:p>
           <a:p>
             <a:pPr lvl="1"/>
             <a:r>
-              <a:rPr lang="en-US" dirty="0" smtClean="0"/>
-              <a:t>Stands for </a:t>
-            </a:r>
-            <a:r>
-              <a:rPr lang="en-US" dirty="0"/>
-              <a:t>Hypertext Transfer </a:t>
-            </a:r>
-            <a:r>
-              <a:rPr lang="en-US" dirty="0" smtClean="0"/>
-              <a:t>Protocol</a:t>
+              <a:rPr lang="en-US" dirty="0"/>
+              <a:t>Stands for Hypertext Transfer Protocol</a:t>
             </a:r>
           </a:p>
           <a:p>
             <a:pPr lvl="1"/>
             <a:r>
-              <a:rPr lang="en-US" dirty="0" smtClean="0"/>
+              <a:rPr lang="en-US" dirty="0"/>
               <a:t>Way of sending text to servers and getting a response back from them</a:t>
             </a:r>
           </a:p>
           <a:p>
             <a:pPr lvl="1"/>
             <a:r>
-              <a:rPr lang="en-US" dirty="0" smtClean="0"/>
+              <a:rPr lang="en-US" dirty="0"/>
               <a:t>This literally is what the Internet/world runs off of</a:t>
             </a:r>
-            <a:endParaRPr lang="en-US" dirty="0"/>
           </a:p>
         </p:txBody>
       </p:sp>
@@ -5030,10 +5002,9 @@
           <a:lstStyle/>
           <a:p>
             <a:r>
-              <a:rPr lang="en-US" dirty="0" smtClean="0"/>
+              <a:rPr lang="en-US" dirty="0"/>
               <a:t>How you are use to talking to servers</a:t>
             </a:r>
-            <a:endParaRPr lang="en-US" dirty="0"/>
           </a:p>
         </p:txBody>
       </p:sp>
@@ -5060,64 +5031,63 @@
           <a:lstStyle/>
           <a:p>
             <a:r>
-              <a:rPr lang="en-US" dirty="0" smtClean="0"/>
+              <a:rPr lang="en-US" dirty="0"/>
               <a:t>Main idea is a </a:t>
             </a:r>
             <a:r>
-              <a:rPr lang="en-US" b="1" dirty="0" smtClean="0"/>
+              <a:rPr lang="en-US" b="1" dirty="0"/>
               <a:t>Client</a:t>
             </a:r>
             <a:r>
-              <a:rPr lang="en-US" dirty="0" smtClean="0"/>
+              <a:rPr lang="en-US" dirty="0"/>
               <a:t> sends a </a:t>
             </a:r>
             <a:r>
-              <a:rPr lang="en-US" b="1" dirty="0" smtClean="0"/>
+              <a:rPr lang="en-US" b="1" dirty="0"/>
               <a:t>Server </a:t>
             </a:r>
             <a:r>
-              <a:rPr lang="en-US" dirty="0" smtClean="0"/>
+              <a:rPr lang="en-US" dirty="0"/>
               <a:t>a </a:t>
             </a:r>
             <a:r>
-              <a:rPr lang="en-US" b="1" dirty="0" smtClean="0"/>
+              <a:rPr lang="en-US" b="1" dirty="0"/>
               <a:t>HTTP Request</a:t>
             </a:r>
             <a:r>
-              <a:rPr lang="en-US" dirty="0" smtClean="0"/>
-              <a:t> where the server does it thing and sends back a </a:t>
-            </a:r>
-            <a:r>
-              <a:rPr lang="en-US" b="1" dirty="0" smtClean="0"/>
+              <a:rPr lang="en-US" dirty="0"/>
+              <a:t> where the server does its thing and sends back a </a:t>
+            </a:r>
+            <a:r>
+              <a:rPr lang="en-US" b="1" dirty="0"/>
               <a:t>HTTP Response</a:t>
             </a:r>
             <a:r>
-              <a:rPr lang="en-US" dirty="0" smtClean="0"/>
+              <a:rPr lang="en-US" dirty="0"/>
               <a:t> to the </a:t>
             </a:r>
             <a:r>
-              <a:rPr lang="en-US" b="1" dirty="0" smtClean="0"/>
+              <a:rPr lang="en-US" b="1" dirty="0"/>
               <a:t>Client</a:t>
             </a:r>
             <a:r>
-              <a:rPr lang="en-US" dirty="0" smtClean="0"/>
+              <a:rPr lang="en-US" dirty="0"/>
               <a:t> </a:t>
             </a:r>
           </a:p>
           <a:p>
             <a:r>
-              <a:rPr lang="en-US" dirty="0" smtClean="0"/>
+              <a:rPr lang="en-US" dirty="0"/>
               <a:t>This </a:t>
             </a:r>
             <a:r>
-              <a:rPr lang="en-US" b="1" dirty="0" smtClean="0"/>
+              <a:rPr lang="en-US" b="1" dirty="0"/>
               <a:t>HTTP Response</a:t>
             </a:r>
             <a:r>
-              <a:rPr lang="en-US" dirty="0" smtClean="0"/>
+              <a:rPr lang="en-US" dirty="0"/>
               <a:t> can be the HTML to a website, info that the server executed its job correctly or hit an error, it could send you back a joke in plain text, its all up to the server (also known as back-end code)</a:t>
             </a:r>
-            <a:endParaRPr lang="en-US" dirty="0"/>
           </a:p>
         </p:txBody>
       </p:sp>
@@ -5231,10 +5201,9 @@
           <a:lstStyle/>
           <a:p>
             <a:r>
-              <a:rPr lang="en-US" dirty="0" smtClean="0"/>
+              <a:rPr lang="en-US" dirty="0"/>
               <a:t>How to message the server</a:t>
             </a:r>
-            <a:endParaRPr lang="en-US" dirty="0"/>
           </a:p>
         </p:txBody>
       </p:sp>
@@ -5261,22 +5230,21 @@
           <a:lstStyle/>
           <a:p>
             <a:r>
-              <a:rPr lang="en-US" dirty="0" smtClean="0"/>
-              <a:t>We use an URL</a:t>
-            </a:r>
-          </a:p>
-          <a:p>
-            <a:r>
-              <a:rPr lang="en-US" dirty="0" smtClean="0"/>
+              <a:rPr lang="en-US" dirty="0"/>
+              <a:t>We use a URL</a:t>
+            </a:r>
+          </a:p>
+          <a:p>
+            <a:r>
+              <a:rPr lang="en-US" dirty="0"/>
               <a:t>This just tell what server to find and where in the server to send the message</a:t>
             </a:r>
           </a:p>
           <a:p>
             <a:r>
-              <a:rPr lang="en-US" dirty="0" smtClean="0"/>
+              <a:rPr lang="en-US" dirty="0"/>
               <a:t>Can be used in a Web Browser, Dev tool (Postman), or a custom made client request from your Raspberry Pi</a:t>
             </a:r>
-            <a:endParaRPr lang="en-US" dirty="0"/>
           </a:p>
         </p:txBody>
       </p:sp>
@@ -5390,10 +5358,9 @@
           <a:lstStyle/>
           <a:p>
             <a:r>
-              <a:rPr lang="en-US" dirty="0" smtClean="0"/>
+              <a:rPr lang="en-US" dirty="0"/>
               <a:t>The Request</a:t>
             </a:r>
-            <a:endParaRPr lang="en-US" dirty="0"/>
           </a:p>
         </p:txBody>
       </p:sp>
@@ -5418,31 +5385,30 @@
           <a:lstStyle/>
           <a:p>
             <a:r>
-              <a:rPr lang="en-US" dirty="0" smtClean="0"/>
+              <a:rPr lang="en-US" dirty="0"/>
               <a:t>Many methods</a:t>
             </a:r>
           </a:p>
           <a:p>
             <a:pPr lvl="1"/>
             <a:r>
-              <a:rPr lang="en-US" dirty="0" smtClean="0"/>
+              <a:rPr lang="en-US" dirty="0"/>
               <a:t>We will stick to just GET and POST</a:t>
             </a:r>
           </a:p>
           <a:p>
             <a:pPr lvl="1"/>
             <a:r>
-              <a:rPr lang="en-US" dirty="0" smtClean="0"/>
+              <a:rPr lang="en-US" dirty="0"/>
               <a:t>Path is structured like Linux file location</a:t>
             </a:r>
           </a:p>
           <a:p>
             <a:pPr lvl="1"/>
             <a:r>
-              <a:rPr lang="en-US" dirty="0" smtClean="0"/>
+              <a:rPr lang="en-US" dirty="0"/>
               <a:t>HTTP 1.1 is old and still going strong</a:t>
             </a:r>
-            <a:endParaRPr lang="en-US" dirty="0"/>
           </a:p>
         </p:txBody>
       </p:sp>
@@ -5556,10 +5522,9 @@
           <a:lstStyle/>
           <a:p>
             <a:r>
-              <a:rPr lang="en-US" dirty="0" smtClean="0"/>
+              <a:rPr lang="en-US" dirty="0"/>
               <a:t>The Request - Header</a:t>
             </a:r>
-            <a:endParaRPr lang="en-US" dirty="0"/>
           </a:p>
         </p:txBody>
       </p:sp>
@@ -5584,19 +5549,19 @@
           <a:lstStyle/>
           <a:p>
             <a:r>
-              <a:rPr lang="en-US" dirty="0" smtClean="0"/>
+              <a:rPr lang="en-US" dirty="0"/>
               <a:t>Server first reads Request Line</a:t>
             </a:r>
           </a:p>
           <a:p>
             <a:r>
-              <a:rPr lang="en-US" dirty="0" smtClean="0"/>
+              <a:rPr lang="en-US" dirty="0"/>
               <a:t>Header information is where we can send details in a “Key-Value” fashion</a:t>
             </a:r>
           </a:p>
           <a:p>
             <a:r>
-              <a:rPr lang="en-US" dirty="0" smtClean="0"/>
+              <a:rPr lang="en-US" dirty="0"/>
               <a:t>Everything is separated by new lines</a:t>
             </a:r>
           </a:p>
@@ -5718,10 +5683,9 @@
           <a:lstStyle/>
           <a:p>
             <a:r>
-              <a:rPr lang="en-US" dirty="0" smtClean="0"/>
+              <a:rPr lang="en-US" dirty="0"/>
               <a:t>The Request – Verb types</a:t>
             </a:r>
-            <a:endParaRPr lang="en-US" dirty="0"/>
           </a:p>
         </p:txBody>
       </p:sp>
@@ -5743,76 +5707,75 @@
           <a:lstStyle/>
           <a:p>
             <a:r>
-              <a:rPr lang="en-US" sz="2800" dirty="0" smtClean="0"/>
+              <a:rPr lang="en-US" sz="2800" dirty="0"/>
               <a:t>Verbs indicate </a:t>
             </a:r>
             <a:r>
-              <a:rPr lang="en-US" sz="2800" b="1" dirty="0" smtClean="0"/>
+              <a:rPr lang="en-US" sz="2800" b="1" dirty="0"/>
               <a:t>DESIRED</a:t>
             </a:r>
             <a:r>
-              <a:rPr lang="en-US" sz="2800" dirty="0" smtClean="0"/>
+              <a:rPr lang="en-US" sz="2800" dirty="0"/>
               <a:t> actions, its still up to server to handle, but there are some set standards</a:t>
             </a:r>
           </a:p>
           <a:p>
             <a:r>
-              <a:rPr lang="en-US" dirty="0" smtClean="0"/>
+              <a:rPr lang="en-US" dirty="0"/>
               <a:t>GET</a:t>
             </a:r>
           </a:p>
           <a:p>
             <a:pPr lvl="1"/>
             <a:r>
-              <a:rPr lang="en-US" dirty="0" smtClean="0"/>
+              <a:rPr lang="en-US" dirty="0"/>
               <a:t>All information is in URL/Request Line</a:t>
             </a:r>
           </a:p>
           <a:p>
             <a:pPr lvl="1"/>
             <a:r>
-              <a:rPr lang="en-US" sz="2400" dirty="0" smtClean="0">
+              <a:rPr lang="en-US" sz="2400" dirty="0">
                 <a:hlinkClick r:id="rId2"/>
               </a:rPr>
               <a:t>http://myServer:8888/path/with/info/about/the/get/call</a:t>
             </a:r>
-            <a:endParaRPr lang="en-US" sz="2400" dirty="0" smtClean="0"/>
+            <a:endParaRPr lang="en-US" sz="2400" dirty="0"/>
           </a:p>
           <a:p>
             <a:pPr lvl="1"/>
             <a:r>
-              <a:rPr lang="en-US" sz="2400" dirty="0" smtClean="0"/>
+              <a:rPr lang="en-US" sz="2400" dirty="0"/>
               <a:t>Server might have parameters set depending what you put on a specific part of a path</a:t>
             </a:r>
           </a:p>
           <a:p>
             <a:r>
-              <a:rPr lang="en-US" dirty="0" smtClean="0"/>
+              <a:rPr lang="en-US" dirty="0"/>
               <a:t>POST</a:t>
             </a:r>
           </a:p>
           <a:p>
             <a:pPr lvl="1"/>
             <a:r>
-              <a:rPr lang="en-US" dirty="0" smtClean="0"/>
+              <a:rPr lang="en-US" dirty="0"/>
               <a:t>Lets server know you are sending a </a:t>
             </a:r>
             <a:r>
-              <a:rPr lang="en-US" b="1" dirty="0" smtClean="0"/>
+              <a:rPr lang="en-US" b="1" dirty="0"/>
               <a:t>Body</a:t>
             </a:r>
             <a:r>
-              <a:rPr lang="en-US" dirty="0" smtClean="0"/>
+              <a:rPr lang="en-US" dirty="0"/>
               <a:t> with the request in JSON format</a:t>
             </a:r>
           </a:p>
           <a:p>
             <a:pPr lvl="1"/>
             <a:r>
-              <a:rPr lang="en-US" dirty="0" smtClean="0"/>
+              <a:rPr lang="en-US" dirty="0"/>
               <a:t>This is used to send larger amount of data</a:t>
             </a:r>
-            <a:endParaRPr lang="en-US" dirty="0"/>
           </a:p>
         </p:txBody>
       </p:sp>
